--- a/Reports/SENG3011 D3.pptx
+++ b/Reports/SENG3011 D3.pptx
@@ -9,6 +9,7 @@
     <p:sldId id="257" r:id="rId3"/>
     <p:sldId id="258" r:id="rId4"/>
     <p:sldId id="259" r:id="rId5"/>
+    <p:sldId id="260" r:id="rId6"/>
   </p:sldIdLst>
   <p:sldSz cx="12192000" cy="6858000"/>
   <p:notesSz cx="6858000" cy="9144000"/>
@@ -4495,6 +4496,30 @@
 <file path=ppt/slides/slide4.xml><?xml version="1.0" encoding="utf-8"?>
 <p:sld xmlns:a="http://schemas.openxmlformats.org/drawingml/2006/main" xmlns:r="http://schemas.openxmlformats.org/officeDocument/2006/relationships" xmlns:p="http://schemas.openxmlformats.org/presentationml/2006/main">
   <p:cSld>
+    <p:bg>
+      <p:bgPr>
+        <a:gradFill rotWithShape="1">
+          <a:gsLst>
+            <a:gs pos="0">
+              <a:schemeClr val="bg2">
+                <a:tint val="94000"/>
+                <a:satMod val="80000"/>
+                <a:lumMod val="106000"/>
+              </a:schemeClr>
+            </a:gs>
+            <a:gs pos="100000">
+              <a:schemeClr val="bg2">
+                <a:shade val="80000"/>
+              </a:schemeClr>
+            </a:gs>
+          </a:gsLst>
+          <a:path path="circle">
+            <a:fillToRect l="43000" r="43000" b="100000"/>
+          </a:path>
+        </a:gradFill>
+        <a:effectLst/>
+      </p:bgPr>
+    </p:bg>
     <p:spTree>
       <p:nvGrpSpPr>
         <p:cNvPr id="1" name=""/>
@@ -4509,6 +4534,114 @@
           <a:chExt cx="0" cy="0"/>
         </a:xfrm>
       </p:grpSpPr>
+      <p:sp useBgFill="1">
+        <p:nvSpPr>
+          <p:cNvPr id="10" name="Rectangle 9">
+            <a:extLst>
+              <a:ext uri="{FF2B5EF4-FFF2-40B4-BE49-F238E27FC236}">
+                <a16:creationId xmlns:a16="http://schemas.microsoft.com/office/drawing/2014/main" id="{5BB14454-D00C-4958-BB39-F5F9F3ACD499}"/>
+              </a:ext>
+              <a:ext uri="{C183D7F6-B498-43B3-948B-1728B52AA6E4}">
+                <adec:decorative xmlns:adec="http://schemas.microsoft.com/office/drawing/2017/decorative" val="1"/>
+              </a:ext>
+            </a:extLst>
+          </p:cNvPr>
+          <p:cNvSpPr>
+            <a:spLocks noGrp="1" noRot="1" noChangeAspect="1" noMove="1" noResize="1" noEditPoints="1" noAdjustHandles="1" noChangeArrowheads="1" noChangeShapeType="1" noTextEdit="1"/>
+          </p:cNvSpPr>
+          <p:nvPr>
+            <p:extLst>
+              <p:ext uri="{386F3935-93C4-4BCD-93E2-E3B085C9AB24}">
+                <p16:designElem xmlns:p16="http://schemas.microsoft.com/office/powerpoint/2015/main" val="1"/>
+              </p:ext>
+            </p:extLst>
+          </p:nvPr>
+        </p:nvSpPr>
+        <p:spPr>
+          <a:xfrm>
+            <a:off x="2" y="0"/>
+            <a:ext cx="12191695" cy="6858000"/>
+          </a:xfrm>
+          <a:prstGeom prst="rect">
+            <a:avLst/>
+          </a:prstGeom>
+          <a:ln>
+            <a:noFill/>
+          </a:ln>
+        </p:spPr>
+        <p:style>
+          <a:lnRef idx="2">
+            <a:schemeClr val="accent1">
+              <a:shade val="50000"/>
+            </a:schemeClr>
+          </a:lnRef>
+          <a:fillRef idx="1">
+            <a:schemeClr val="accent1"/>
+          </a:fillRef>
+          <a:effectRef idx="0">
+            <a:schemeClr val="accent1"/>
+          </a:effectRef>
+          <a:fontRef idx="minor">
+            <a:schemeClr val="lt1"/>
+          </a:fontRef>
+        </p:style>
+        <p:txBody>
+          <a:bodyPr rtlCol="0" anchor="ctr"/>
+          <a:lstStyle/>
+          <a:p>
+            <a:pPr algn="ctr"/>
+            <a:endParaRPr lang="en-US"/>
+          </a:p>
+        </p:txBody>
+      </p:sp>
+      <p:cxnSp>
+        <p:nvCxnSpPr>
+          <p:cNvPr id="12" name="Straight Connector 11">
+            <a:extLst>
+              <a:ext uri="{FF2B5EF4-FFF2-40B4-BE49-F238E27FC236}">
+                <a16:creationId xmlns:a16="http://schemas.microsoft.com/office/drawing/2014/main" id="{28A657A7-C4E5-425B-98FA-BB817FF7BFB0}"/>
+              </a:ext>
+              <a:ext uri="{C183D7F6-B498-43B3-948B-1728B52AA6E4}">
+                <adec:decorative xmlns:adec="http://schemas.microsoft.com/office/drawing/2017/decorative" val="1"/>
+              </a:ext>
+            </a:extLst>
+          </p:cNvPr>
+          <p:cNvCxnSpPr>
+            <a:cxnSpLocks noGrp="1" noRot="1" noChangeAspect="1" noMove="1" noResize="1" noEditPoints="1" noAdjustHandles="1" noChangeArrowheads="1" noChangeShapeType="1"/>
+          </p:cNvCxnSpPr>
+          <p:nvPr>
+            <p:extLst>
+              <p:ext uri="{386F3935-93C4-4BCD-93E2-E3B085C9AB24}">
+                <p16:designElem xmlns:p16="http://schemas.microsoft.com/office/powerpoint/2015/main" val="1"/>
+              </p:ext>
+            </p:extLst>
+          </p:nvPr>
+        </p:nvCxnSpPr>
+        <p:spPr>
+          <a:xfrm>
+            <a:off x="7218029" y="1847088"/>
+            <a:ext cx="3520368" cy="0"/>
+          </a:xfrm>
+          <a:prstGeom prst="line">
+            <a:avLst/>
+          </a:prstGeom>
+          <a:ln w="31750"/>
+        </p:spPr>
+        <p:style>
+          <a:lnRef idx="3">
+            <a:schemeClr val="accent1"/>
+          </a:lnRef>
+          <a:fillRef idx="0">
+            <a:schemeClr val="accent1"/>
+          </a:fillRef>
+          <a:effectRef idx="2">
+            <a:schemeClr val="accent1"/>
+          </a:effectRef>
+          <a:fontRef idx="minor">
+            <a:schemeClr val="tx1"/>
+          </a:fontRef>
+        </p:style>
+      </p:cxnSp>
       <p:sp>
         <p:nvSpPr>
           <p:cNvPr id="2" name="Title 1">
@@ -4525,9 +4658,16 @@
             <p:ph type="title"/>
           </p:nvPr>
         </p:nvSpPr>
-        <p:spPr/>
-        <p:txBody>
-          <a:bodyPr/>
+        <p:spPr>
+          <a:xfrm>
+            <a:off x="7218030" y="804520"/>
+            <a:ext cx="3520367" cy="1049235"/>
+          </a:xfrm>
+        </p:spPr>
+        <p:txBody>
+          <a:bodyPr>
+            <a:normAutofit/>
+          </a:bodyPr>
           <a:lstStyle/>
           <a:p>
             <a:r>
@@ -4540,7 +4680,307 @@
       </p:sp>
       <p:sp>
         <p:nvSpPr>
-          <p:cNvPr id="3" name="Content Placeholder 2">
+          <p:cNvPr id="14" name="Rectangle 13">
+            <a:extLst>
+              <a:ext uri="{FF2B5EF4-FFF2-40B4-BE49-F238E27FC236}">
+                <a16:creationId xmlns:a16="http://schemas.microsoft.com/office/drawing/2014/main" id="{A1084370-0E70-4003-9787-3490FCC20E13}"/>
+              </a:ext>
+              <a:ext uri="{C183D7F6-B498-43B3-948B-1728B52AA6E4}">
+                <adec:decorative xmlns:adec="http://schemas.microsoft.com/office/drawing/2017/decorative" val="1"/>
+              </a:ext>
+            </a:extLst>
+          </p:cNvPr>
+          <p:cNvSpPr>
+            <a:spLocks noGrp="1" noRot="1" noChangeAspect="1" noMove="1" noResize="1" noEditPoints="1" noAdjustHandles="1" noChangeArrowheads="1" noChangeShapeType="1" noTextEdit="1"/>
+          </p:cNvSpPr>
+          <p:nvPr>
+            <p:extLst>
+              <p:ext uri="{386F3935-93C4-4BCD-93E2-E3B085C9AB24}">
+                <p16:designElem xmlns:p16="http://schemas.microsoft.com/office/powerpoint/2015/main" val="1"/>
+              </p:ext>
+            </p:extLst>
+          </p:nvPr>
+        </p:nvSpPr>
+        <p:spPr>
+          <a:xfrm>
+            <a:off x="0" y="2019476"/>
+            <a:ext cx="12192000" cy="4105941"/>
+          </a:xfrm>
+          <a:prstGeom prst="rect">
+            <a:avLst/>
+          </a:prstGeom>
+          <a:gradFill flip="none" rotWithShape="1">
+            <a:gsLst>
+              <a:gs pos="0">
+                <a:schemeClr val="bg2">
+                  <a:alpha val="0"/>
+                </a:schemeClr>
+              </a:gs>
+              <a:gs pos="100000">
+                <a:schemeClr val="bg2"/>
+              </a:gs>
+            </a:gsLst>
+            <a:lin ang="5400000" scaled="0"/>
+            <a:tileRect/>
+          </a:gradFill>
+          <a:ln>
+            <a:noFill/>
+          </a:ln>
+        </p:spPr>
+        <p:style>
+          <a:lnRef idx="2">
+            <a:schemeClr val="accent1">
+              <a:shade val="50000"/>
+            </a:schemeClr>
+          </a:lnRef>
+          <a:fillRef idx="1">
+            <a:schemeClr val="accent1"/>
+          </a:fillRef>
+          <a:effectRef idx="0">
+            <a:schemeClr val="accent1"/>
+          </a:effectRef>
+          <a:fontRef idx="minor">
+            <a:schemeClr val="lt1"/>
+          </a:fontRef>
+        </p:style>
+        <p:txBody>
+          <a:bodyPr rtlCol="0" anchor="ctr"/>
+          <a:lstStyle/>
+          <a:p>
+            <a:pPr lvl="0" algn="ctr"/>
+            <a:endParaRPr lang="en-US"/>
+          </a:p>
+        </p:txBody>
+      </p:sp>
+      <p:grpSp>
+        <p:nvGrpSpPr>
+          <p:cNvPr id="16" name="Group 15">
+            <a:extLst>
+              <a:ext uri="{FF2B5EF4-FFF2-40B4-BE49-F238E27FC236}">
+                <a16:creationId xmlns:a16="http://schemas.microsoft.com/office/drawing/2014/main" id="{2B7C66D2-22E8-4E8F-829B-050BFA7C86C5}"/>
+              </a:ext>
+              <a:ext uri="{C183D7F6-B498-43B3-948B-1728B52AA6E4}">
+                <adec:decorative xmlns:adec="http://schemas.microsoft.com/office/drawing/2017/decorative" val="1"/>
+              </a:ext>
+            </a:extLst>
+          </p:cNvPr>
+          <p:cNvGrpSpPr>
+            <a:grpSpLocks noGrp="1" noUngrp="1" noRot="1" noChangeAspect="1" noMove="1" noResize="1"/>
+          </p:cNvGrpSpPr>
+          <p:nvPr>
+            <p:extLst>
+              <p:ext uri="{386F3935-93C4-4BCD-93E2-E3B085C9AB24}">
+                <p16:designElem xmlns:p16="http://schemas.microsoft.com/office/powerpoint/2015/main" val="1"/>
+              </p:ext>
+            </p:extLst>
+          </p:nvPr>
+        </p:nvGrpSpPr>
+        <p:grpSpPr>
+          <a:xfrm>
+            <a:off x="632237" y="482171"/>
+            <a:ext cx="6104331" cy="5149101"/>
+            <a:chOff x="7463259" y="583365"/>
+            <a:chExt cx="6104330" cy="5181928"/>
+          </a:xfrm>
+        </p:grpSpPr>
+        <p:sp>
+          <p:nvSpPr>
+            <p:cNvPr id="17" name="Rectangle 16">
+              <a:extLst>
+                <a:ext uri="{FF2B5EF4-FFF2-40B4-BE49-F238E27FC236}">
+                  <a16:creationId xmlns:a16="http://schemas.microsoft.com/office/drawing/2014/main" id="{F0B78D6F-1F61-4DBB-8F5A-934BB850DD1F}"/>
+                </a:ext>
+                <a:ext uri="{C183D7F6-B498-43B3-948B-1728B52AA6E4}">
+                  <adec:decorative xmlns:adec="http://schemas.microsoft.com/office/drawing/2017/decorative" val="1"/>
+                </a:ext>
+              </a:extLst>
+            </p:cNvPr>
+            <p:cNvSpPr/>
+            <p:nvPr>
+              <p:extLst>
+                <p:ext uri="{386F3935-93C4-4BCD-93E2-E3B085C9AB24}">
+                  <p16:designElem xmlns:p16="http://schemas.microsoft.com/office/powerpoint/2015/main" val="1"/>
+                </p:ext>
+              </p:extLst>
+            </p:nvPr>
+          </p:nvSpPr>
+          <p:spPr>
+            <a:xfrm>
+              <a:off x="7463259" y="583365"/>
+              <a:ext cx="6104330" cy="5181928"/>
+            </a:xfrm>
+            <a:prstGeom prst="rect">
+              <a:avLst/>
+            </a:prstGeom>
+            <a:gradFill>
+              <a:gsLst>
+                <a:gs pos="0">
+                  <a:srgbClr val="000001"/>
+                </a:gs>
+                <a:gs pos="100000">
+                  <a:srgbClr val="191919"/>
+                </a:gs>
+              </a:gsLst>
+            </a:gradFill>
+            <a:ln w="76200" cmpd="sng">
+              <a:noFill/>
+              <a:miter lim="800000"/>
+            </a:ln>
+            <a:effectLst>
+              <a:outerShdw blurRad="127000" dist="228600" dir="4740000" sx="98000" sy="98000" algn="tl" rotWithShape="0">
+                <a:srgbClr val="000000">
+                  <a:alpha val="34000"/>
+                </a:srgbClr>
+              </a:outerShdw>
+            </a:effectLst>
+            <a:scene3d>
+              <a:camera prst="orthographicFront"/>
+              <a:lightRig rig="threePt" dir="t"/>
+            </a:scene3d>
+            <a:sp3d>
+              <a:bevelT w="152400" h="50800" prst="softRound"/>
+            </a:sp3d>
+          </p:spPr>
+          <p:style>
+            <a:lnRef idx="1">
+              <a:schemeClr val="accent1"/>
+            </a:lnRef>
+            <a:fillRef idx="3">
+              <a:schemeClr val="accent1"/>
+            </a:fillRef>
+            <a:effectRef idx="2">
+              <a:schemeClr val="accent1"/>
+            </a:effectRef>
+            <a:fontRef idx="minor">
+              <a:schemeClr val="lt1"/>
+            </a:fontRef>
+          </p:style>
+          <p:txBody>
+            <a:bodyPr rtlCol="0" anchor="ctr"/>
+            <a:lstStyle/>
+            <a:p>
+              <a:pPr algn="ctr"/>
+              <a:endParaRPr lang="en-US"/>
+            </a:p>
+          </p:txBody>
+        </p:sp>
+        <p:sp>
+          <p:nvSpPr>
+            <p:cNvPr id="45" name="Rectangle 17">
+              <a:extLst>
+                <a:ext uri="{FF2B5EF4-FFF2-40B4-BE49-F238E27FC236}">
+                  <a16:creationId xmlns:a16="http://schemas.microsoft.com/office/drawing/2014/main" id="{23EA261D-1F8C-4BE5-8586-3C1CC5CE80FE}"/>
+                </a:ext>
+                <a:ext uri="{C183D7F6-B498-43B3-948B-1728B52AA6E4}">
+                  <adec:decorative xmlns:adec="http://schemas.microsoft.com/office/drawing/2017/decorative" val="1"/>
+                </a:ext>
+              </a:extLst>
+            </p:cNvPr>
+            <p:cNvSpPr/>
+            <p:nvPr>
+              <p:extLst>
+                <p:ext uri="{386F3935-93C4-4BCD-93E2-E3B085C9AB24}">
+                  <p16:designElem xmlns:p16="http://schemas.microsoft.com/office/powerpoint/2015/main" val="1"/>
+                </p:ext>
+              </p:extLst>
+            </p:nvPr>
+          </p:nvSpPr>
+          <p:spPr>
+            <a:xfrm>
+              <a:off x="7776318" y="915807"/>
+              <a:ext cx="5471354" cy="4494927"/>
+            </a:xfrm>
+            <a:prstGeom prst="rect">
+              <a:avLst/>
+            </a:prstGeom>
+            <a:gradFill>
+              <a:gsLst>
+                <a:gs pos="0">
+                  <a:srgbClr val="DADADA"/>
+                </a:gs>
+                <a:gs pos="100000">
+                  <a:srgbClr val="FFFFFE"/>
+                </a:gs>
+              </a:gsLst>
+              <a:lin ang="16200000" scaled="0"/>
+            </a:gradFill>
+            <a:ln w="50800" cmpd="sng">
+              <a:solidFill>
+                <a:srgbClr val="191919"/>
+              </a:solidFill>
+              <a:miter lim="800000"/>
+            </a:ln>
+            <a:effectLst>
+              <a:innerShdw blurRad="63500" dist="88900" dir="14100000">
+                <a:srgbClr val="000000">
+                  <a:alpha val="30000"/>
+                </a:srgbClr>
+              </a:innerShdw>
+            </a:effectLst>
+            <a:scene3d>
+              <a:camera prst="orthographicFront"/>
+              <a:lightRig rig="threePt" dir="t"/>
+            </a:scene3d>
+            <a:sp3d>
+              <a:bevelT prst="relaxedInset"/>
+            </a:sp3d>
+          </p:spPr>
+          <p:style>
+            <a:lnRef idx="1">
+              <a:schemeClr val="accent1"/>
+            </a:lnRef>
+            <a:fillRef idx="3">
+              <a:schemeClr val="accent1"/>
+            </a:fillRef>
+            <a:effectRef idx="2">
+              <a:schemeClr val="accent1"/>
+            </a:effectRef>
+            <a:fontRef idx="minor">
+              <a:schemeClr val="lt1"/>
+            </a:fontRef>
+          </p:style>
+          <p:txBody>
+            <a:bodyPr rtlCol="0" anchor="ctr"/>
+            <a:lstStyle/>
+            <a:p>
+              <a:pPr algn="ctr"/>
+              <a:endParaRPr lang="en-US"/>
+            </a:p>
+          </p:txBody>
+        </p:sp>
+      </p:grpSp>
+      <p:pic>
+        <p:nvPicPr>
+          <p:cNvPr id="5" name="Picture 4">
+            <a:extLst>
+              <a:ext uri="{FF2B5EF4-FFF2-40B4-BE49-F238E27FC236}">
+                <a16:creationId xmlns:a16="http://schemas.microsoft.com/office/drawing/2014/main" id="{72E37CD3-8601-461E-9F2D-2757B4B66248}"/>
+              </a:ext>
+            </a:extLst>
+          </p:cNvPr>
+          <p:cNvPicPr>
+            <a:picLocks noChangeAspect="1"/>
+          </p:cNvPicPr>
+          <p:nvPr/>
+        </p:nvPicPr>
+        <p:blipFill rotWithShape="1">
+          <a:blip r:embed="rId2"/>
+          <a:srcRect l="12869" r="25041"/>
+          <a:stretch/>
+        </p:blipFill>
+        <p:spPr>
+          <a:xfrm>
+            <a:off x="1271223" y="1116345"/>
+            <a:ext cx="4825148" cy="3866172"/>
+          </a:xfrm>
+          <a:prstGeom prst="rect">
+            <a:avLst/>
+          </a:prstGeom>
+        </p:spPr>
+      </p:pic>
+      <p:sp>
+        <p:nvSpPr>
+          <p:cNvPr id="46" name="Content Placeholder 2">
             <a:extLst>
               <a:ext uri="{FF2B5EF4-FFF2-40B4-BE49-F238E27FC236}">
                 <a16:creationId xmlns:a16="http://schemas.microsoft.com/office/drawing/2014/main" id="{CD0DE77B-62B0-4AD4-8CBD-A51E67BAA868}"/>
@@ -4554,15 +4994,120 @@
             <p:ph idx="1"/>
           </p:nvPr>
         </p:nvSpPr>
-        <p:spPr/>
-        <p:txBody>
-          <a:bodyPr/>
+        <p:spPr>
+          <a:xfrm>
+            <a:off x="7218029" y="2015732"/>
+            <a:ext cx="3520368" cy="3450613"/>
+          </a:xfrm>
+        </p:spPr>
+        <p:txBody>
+          <a:bodyPr>
+            <a:normAutofit/>
+          </a:bodyPr>
           <a:lstStyle/>
           <a:p>
             <a:endParaRPr lang="en-US" dirty="0"/>
           </a:p>
         </p:txBody>
       </p:sp>
+      <p:pic>
+        <p:nvPicPr>
+          <p:cNvPr id="47" name="Picture 19">
+            <a:extLst>
+              <a:ext uri="{FF2B5EF4-FFF2-40B4-BE49-F238E27FC236}">
+                <a16:creationId xmlns:a16="http://schemas.microsoft.com/office/drawing/2014/main" id="{3635D2BC-4EDA-4A3E-83BF-035608099BD5}"/>
+              </a:ext>
+              <a:ext uri="{C183D7F6-B498-43B3-948B-1728B52AA6E4}">
+                <adec:decorative xmlns:adec="http://schemas.microsoft.com/office/drawing/2017/decorative" val="1"/>
+              </a:ext>
+            </a:extLst>
+          </p:cNvPr>
+          <p:cNvPicPr>
+            <a:picLocks noGrp="1" noRot="1" noChangeAspect="1" noMove="1" noResize="1" noEditPoints="1" noAdjustHandles="1" noChangeArrowheads="1" noChangeShapeType="1" noCrop="1"/>
+          </p:cNvPicPr>
+          <p:nvPr>
+            <p:extLst>
+              <p:ext uri="{386F3935-93C4-4BCD-93E2-E3B085C9AB24}">
+                <p16:designElem xmlns:p16="http://schemas.microsoft.com/office/powerpoint/2015/main" val="1"/>
+              </p:ext>
+            </p:extLst>
+          </p:nvPr>
+        </p:nvPicPr>
+        <p:blipFill rotWithShape="1">
+          <a:blip r:embed="rId3">
+            <a:extLst>
+              <a:ext uri="{28A0092B-C50C-407E-A947-70E740481C1C}">
+                <a14:useLocalDpi xmlns:a14="http://schemas.microsoft.com/office/drawing/2010/main" val="0"/>
+              </a:ext>
+            </a:extLst>
+          </a:blip>
+          <a:srcRect t="1538" b="-1538"/>
+          <a:stretch/>
+        </p:blipFill>
+        <p:spPr bwMode="black">
+          <a:xfrm>
+            <a:off x="0" y="6126480"/>
+            <a:ext cx="12192000" cy="742950"/>
+          </a:xfrm>
+          <a:prstGeom prst="rect">
+            <a:avLst/>
+          </a:prstGeom>
+        </p:spPr>
+      </p:pic>
+      <p:cxnSp>
+        <p:nvCxnSpPr>
+          <p:cNvPr id="22" name="Straight Connector 21">
+            <a:extLst>
+              <a:ext uri="{FF2B5EF4-FFF2-40B4-BE49-F238E27FC236}">
+                <a16:creationId xmlns:a16="http://schemas.microsoft.com/office/drawing/2014/main" id="{A3C86EB9-7FA9-42F7-B348-A7FD17436A94}"/>
+              </a:ext>
+              <a:ext uri="{C183D7F6-B498-43B3-948B-1728B52AA6E4}">
+                <adec:decorative xmlns:adec="http://schemas.microsoft.com/office/drawing/2017/decorative" val="1"/>
+              </a:ext>
+            </a:extLst>
+          </p:cNvPr>
+          <p:cNvCxnSpPr>
+            <a:cxnSpLocks noGrp="1" noRot="1" noChangeAspect="1" noMove="1" noResize="1" noEditPoints="1" noAdjustHandles="1" noChangeArrowheads="1" noChangeShapeType="1"/>
+          </p:cNvCxnSpPr>
+          <p:nvPr>
+            <p:extLst>
+              <p:ext uri="{386F3935-93C4-4BCD-93E2-E3B085C9AB24}">
+                <p16:designElem xmlns:p16="http://schemas.microsoft.com/office/powerpoint/2015/main" val="1"/>
+              </p:ext>
+            </p:extLst>
+          </p:nvPr>
+        </p:nvCxnSpPr>
+        <p:spPr>
+          <a:xfrm>
+            <a:off x="0" y="6128413"/>
+            <a:ext cx="12192000" cy="0"/>
+          </a:xfrm>
+          <a:prstGeom prst="line">
+            <a:avLst/>
+          </a:prstGeom>
+          <a:ln w="12700">
+            <a:solidFill>
+              <a:srgbClr val="000001">
+                <a:alpha val="20000"/>
+              </a:srgbClr>
+            </a:solidFill>
+          </a:ln>
+        </p:spPr>
+        <p:style>
+          <a:lnRef idx="1">
+            <a:schemeClr val="accent1"/>
+          </a:lnRef>
+          <a:fillRef idx="0">
+            <a:schemeClr val="accent1"/>
+          </a:fillRef>
+          <a:effectRef idx="0">
+            <a:schemeClr val="accent1"/>
+          </a:effectRef>
+          <a:fontRef idx="minor">
+            <a:schemeClr val="tx1"/>
+          </a:fontRef>
+        </p:style>
+      </p:cxnSp>
     </p:spTree>
     <p:extLst>
       <p:ext uri="{BB962C8B-B14F-4D97-AF65-F5344CB8AC3E}">
@@ -4572,6 +5117,415 @@
   </p:cSld>
   <p:clrMapOvr>
     <a:masterClrMapping/>
+  </p:clrMapOvr>
+</p:sld>
+</file>
+
+<file path=ppt/slides/slide5.xml><?xml version="1.0" encoding="utf-8"?>
+<p:sld xmlns:a="http://schemas.openxmlformats.org/drawingml/2006/main" xmlns:r="http://schemas.openxmlformats.org/officeDocument/2006/relationships" xmlns:p="http://schemas.openxmlformats.org/presentationml/2006/main">
+  <p:cSld>
+    <p:bg>
+      <p:bgPr>
+        <a:gradFill rotWithShape="1">
+          <a:gsLst>
+            <a:gs pos="0">
+              <a:schemeClr val="bg1">
+                <a:tint val="94000"/>
+                <a:satMod val="80000"/>
+                <a:lumMod val="106000"/>
+              </a:schemeClr>
+            </a:gs>
+            <a:gs pos="100000">
+              <a:schemeClr val="bg1">
+                <a:shade val="80000"/>
+              </a:schemeClr>
+            </a:gs>
+          </a:gsLst>
+          <a:path path="circle">
+            <a:fillToRect l="50000" t="50000" r="50000" b="50000"/>
+          </a:path>
+        </a:gradFill>
+        <a:effectLst/>
+      </p:bgPr>
+    </p:bg>
+    <p:spTree>
+      <p:nvGrpSpPr>
+        <p:cNvPr id="1" name=""/>
+        <p:cNvGrpSpPr/>
+        <p:nvPr/>
+      </p:nvGrpSpPr>
+      <p:grpSpPr>
+        <a:xfrm>
+          <a:off x="0" y="0"/>
+          <a:ext cx="0" cy="0"/>
+          <a:chOff x="0" y="0"/>
+          <a:chExt cx="0" cy="0"/>
+        </a:xfrm>
+      </p:grpSpPr>
+      <p:sp>
+        <p:nvSpPr>
+          <p:cNvPr id="7" name="Rectangle 6">
+            <a:extLst>
+              <a:ext uri="{FF2B5EF4-FFF2-40B4-BE49-F238E27FC236}">
+                <a16:creationId xmlns:a16="http://schemas.microsoft.com/office/drawing/2014/main" id="{23522FE7-5A29-4EF6-B1EF-2CA55748A772}"/>
+              </a:ext>
+              <a:ext uri="{C183D7F6-B498-43B3-948B-1728B52AA6E4}">
+                <adec:decorative xmlns:adec="http://schemas.microsoft.com/office/drawing/2017/decorative" val="1"/>
+              </a:ext>
+            </a:extLst>
+          </p:cNvPr>
+          <p:cNvSpPr>
+            <a:spLocks noGrp="1" noRot="1" noChangeAspect="1" noMove="1" noResize="1" noEditPoints="1" noAdjustHandles="1" noChangeArrowheads="1" noChangeShapeType="1" noTextEdit="1"/>
+          </p:cNvSpPr>
+          <p:nvPr>
+            <p:extLst>
+              <p:ext uri="{386F3935-93C4-4BCD-93E2-E3B085C9AB24}">
+                <p16:designElem xmlns:p16="http://schemas.microsoft.com/office/powerpoint/2015/main" val="1"/>
+              </p:ext>
+            </p:extLst>
+          </p:nvPr>
+        </p:nvSpPr>
+        <p:spPr>
+          <a:xfrm>
+            <a:off x="0" y="2019476"/>
+            <a:ext cx="12192000" cy="4105941"/>
+          </a:xfrm>
+          <a:prstGeom prst="rect">
+            <a:avLst/>
+          </a:prstGeom>
+          <a:gradFill flip="none" rotWithShape="1">
+            <a:gsLst>
+              <a:gs pos="0">
+                <a:schemeClr val="bg2">
+                  <a:alpha val="0"/>
+                </a:schemeClr>
+              </a:gs>
+              <a:gs pos="100000">
+                <a:schemeClr val="bg2"/>
+              </a:gs>
+            </a:gsLst>
+            <a:lin ang="5400000" scaled="0"/>
+            <a:tileRect/>
+          </a:gradFill>
+          <a:ln>
+            <a:noFill/>
+          </a:ln>
+        </p:spPr>
+        <p:style>
+          <a:lnRef idx="2">
+            <a:schemeClr val="accent1">
+              <a:shade val="50000"/>
+            </a:schemeClr>
+          </a:lnRef>
+          <a:fillRef idx="1">
+            <a:schemeClr val="accent1"/>
+          </a:fillRef>
+          <a:effectRef idx="0">
+            <a:schemeClr val="accent1"/>
+          </a:effectRef>
+          <a:fontRef idx="minor">
+            <a:schemeClr val="lt1"/>
+          </a:fontRef>
+        </p:style>
+      </p:sp>
+      <p:pic>
+        <p:nvPicPr>
+          <p:cNvPr id="9" name="Picture 8">
+            <a:extLst>
+              <a:ext uri="{FF2B5EF4-FFF2-40B4-BE49-F238E27FC236}">
+                <a16:creationId xmlns:a16="http://schemas.microsoft.com/office/drawing/2014/main" id="{C2192E09-EBC7-416C-B887-DFF915D7F43D}"/>
+              </a:ext>
+              <a:ext uri="{C183D7F6-B498-43B3-948B-1728B52AA6E4}">
+                <adec:decorative xmlns:adec="http://schemas.microsoft.com/office/drawing/2017/decorative" val="1"/>
+              </a:ext>
+            </a:extLst>
+          </p:cNvPr>
+          <p:cNvPicPr>
+            <a:picLocks noGrp="1" noRot="1" noChangeAspect="1" noMove="1" noResize="1" noEditPoints="1" noAdjustHandles="1" noChangeArrowheads="1" noChangeShapeType="1" noCrop="1"/>
+          </p:cNvPicPr>
+          <p:nvPr>
+            <p:extLst>
+              <p:ext uri="{386F3935-93C4-4BCD-93E2-E3B085C9AB24}">
+                <p16:designElem xmlns:p16="http://schemas.microsoft.com/office/powerpoint/2015/main" val="1"/>
+              </p:ext>
+            </p:extLst>
+          </p:nvPr>
+        </p:nvPicPr>
+        <p:blipFill rotWithShape="1">
+          <a:blip r:embed="rId2">
+            <a:extLst>
+              <a:ext uri="{28A0092B-C50C-407E-A947-70E740481C1C}">
+                <a14:useLocalDpi xmlns:a14="http://schemas.microsoft.com/office/drawing/2010/main" val="0"/>
+              </a:ext>
+            </a:extLst>
+          </a:blip>
+          <a:srcRect t="1538" b="-1538"/>
+          <a:stretch/>
+        </p:blipFill>
+        <p:spPr bwMode="black">
+          <a:xfrm>
+            <a:off x="0" y="6126480"/>
+            <a:ext cx="12192000" cy="742950"/>
+          </a:xfrm>
+          <a:prstGeom prst="rect">
+            <a:avLst/>
+          </a:prstGeom>
+        </p:spPr>
+      </p:pic>
+      <p:cxnSp>
+        <p:nvCxnSpPr>
+          <p:cNvPr id="11" name="Straight Connector 10">
+            <a:extLst>
+              <a:ext uri="{FF2B5EF4-FFF2-40B4-BE49-F238E27FC236}">
+                <a16:creationId xmlns:a16="http://schemas.microsoft.com/office/drawing/2014/main" id="{2924498D-E084-44BE-A196-CFCE35564350}"/>
+              </a:ext>
+              <a:ext uri="{C183D7F6-B498-43B3-948B-1728B52AA6E4}">
+                <adec:decorative xmlns:adec="http://schemas.microsoft.com/office/drawing/2017/decorative" val="1"/>
+              </a:ext>
+            </a:extLst>
+          </p:cNvPr>
+          <p:cNvCxnSpPr>
+            <a:cxnSpLocks noGrp="1" noRot="1" noChangeAspect="1" noMove="1" noResize="1" noEditPoints="1" noAdjustHandles="1" noChangeArrowheads="1" noChangeShapeType="1"/>
+          </p:cNvCxnSpPr>
+          <p:nvPr>
+            <p:extLst>
+              <p:ext uri="{386F3935-93C4-4BCD-93E2-E3B085C9AB24}">
+                <p16:designElem xmlns:p16="http://schemas.microsoft.com/office/powerpoint/2015/main" val="1"/>
+              </p:ext>
+            </p:extLst>
+          </p:nvPr>
+        </p:nvCxnSpPr>
+        <p:spPr>
+          <a:xfrm>
+            <a:off x="0" y="6128413"/>
+            <a:ext cx="12192000" cy="0"/>
+          </a:xfrm>
+          <a:prstGeom prst="line">
+            <a:avLst/>
+          </a:prstGeom>
+          <a:ln w="12700">
+            <a:solidFill>
+              <a:srgbClr val="000001">
+                <a:alpha val="20000"/>
+              </a:srgbClr>
+            </a:solidFill>
+          </a:ln>
+        </p:spPr>
+        <p:style>
+          <a:lnRef idx="1">
+            <a:schemeClr val="accent1"/>
+          </a:lnRef>
+          <a:fillRef idx="0">
+            <a:schemeClr val="accent1"/>
+          </a:fillRef>
+          <a:effectRef idx="0">
+            <a:schemeClr val="accent1"/>
+          </a:effectRef>
+          <a:fontRef idx="minor">
+            <a:schemeClr val="tx1"/>
+          </a:fontRef>
+        </p:style>
+      </p:cxnSp>
+      <p:cxnSp>
+        <p:nvCxnSpPr>
+          <p:cNvPr id="13" name="Straight Connector 12">
+            <a:extLst>
+              <a:ext uri="{FF2B5EF4-FFF2-40B4-BE49-F238E27FC236}">
+                <a16:creationId xmlns:a16="http://schemas.microsoft.com/office/drawing/2014/main" id="{3BBC7667-C352-4842-9AFD-E5C16AD002F4}"/>
+              </a:ext>
+              <a:ext uri="{C183D7F6-B498-43B3-948B-1728B52AA6E4}">
+                <adec:decorative xmlns:adec="http://schemas.microsoft.com/office/drawing/2017/decorative" val="1"/>
+              </a:ext>
+            </a:extLst>
+          </p:cNvPr>
+          <p:cNvCxnSpPr>
+            <a:cxnSpLocks noGrp="1" noRot="1" noChangeAspect="1" noMove="1" noResize="1" noEditPoints="1" noAdjustHandles="1" noChangeArrowheads="1" noChangeShapeType="1"/>
+          </p:cNvCxnSpPr>
+          <p:nvPr>
+            <p:extLst>
+              <p:ext uri="{386F3935-93C4-4BCD-93E2-E3B085C9AB24}">
+                <p16:designElem xmlns:p16="http://schemas.microsoft.com/office/powerpoint/2015/main" val="1"/>
+              </p:ext>
+            </p:extLst>
+          </p:nvPr>
+        </p:nvCxnSpPr>
+        <p:spPr>
+          <a:xfrm>
+            <a:off x="2417780" y="3528542"/>
+            <a:ext cx="8637072" cy="0"/>
+          </a:xfrm>
+          <a:prstGeom prst="line">
+            <a:avLst/>
+          </a:prstGeom>
+          <a:ln w="31750"/>
+        </p:spPr>
+        <p:style>
+          <a:lnRef idx="3">
+            <a:schemeClr val="accent1"/>
+          </a:lnRef>
+          <a:fillRef idx="0">
+            <a:schemeClr val="accent1"/>
+          </a:fillRef>
+          <a:effectRef idx="2">
+            <a:schemeClr val="accent1"/>
+          </a:effectRef>
+          <a:fontRef idx="minor">
+            <a:schemeClr val="tx1"/>
+          </a:fontRef>
+        </p:style>
+      </p:cxnSp>
+      <p:sp useBgFill="1">
+        <p:nvSpPr>
+          <p:cNvPr id="15" name="Rectangle 14">
+            <a:extLst>
+              <a:ext uri="{FF2B5EF4-FFF2-40B4-BE49-F238E27FC236}">
+                <a16:creationId xmlns:a16="http://schemas.microsoft.com/office/drawing/2014/main" id="{48D226DA-E368-46E4-BF0C-D467A1E86BF6}"/>
+              </a:ext>
+              <a:ext uri="{C183D7F6-B498-43B3-948B-1728B52AA6E4}">
+                <adec:decorative xmlns:adec="http://schemas.microsoft.com/office/drawing/2017/decorative" val="1"/>
+              </a:ext>
+            </a:extLst>
+          </p:cNvPr>
+          <p:cNvSpPr>
+            <a:spLocks noGrp="1" noRot="1" noChangeAspect="1" noMove="1" noResize="1" noEditPoints="1" noAdjustHandles="1" noChangeArrowheads="1" noChangeShapeType="1" noTextEdit="1"/>
+          </p:cNvSpPr>
+          <p:nvPr>
+            <p:extLst>
+              <p:ext uri="{386F3935-93C4-4BCD-93E2-E3B085C9AB24}">
+                <p16:designElem xmlns:p16="http://schemas.microsoft.com/office/powerpoint/2015/main" val="1"/>
+              </p:ext>
+            </p:extLst>
+          </p:nvPr>
+        </p:nvSpPr>
+        <p:spPr>
+          <a:xfrm>
+            <a:off x="2" y="0"/>
+            <a:ext cx="12191695" cy="6858000"/>
+          </a:xfrm>
+          <a:prstGeom prst="rect">
+            <a:avLst/>
+          </a:prstGeom>
+          <a:ln>
+            <a:noFill/>
+          </a:ln>
+        </p:spPr>
+        <p:style>
+          <a:lnRef idx="2">
+            <a:schemeClr val="accent1">
+              <a:shade val="50000"/>
+            </a:schemeClr>
+          </a:lnRef>
+          <a:fillRef idx="1">
+            <a:schemeClr val="accent1"/>
+          </a:fillRef>
+          <a:effectRef idx="0">
+            <a:schemeClr val="accent1"/>
+          </a:effectRef>
+          <a:fontRef idx="minor">
+            <a:schemeClr val="lt1"/>
+          </a:fontRef>
+        </p:style>
+        <p:txBody>
+          <a:bodyPr rtlCol="0" anchor="ctr"/>
+          <a:lstStyle/>
+          <a:p>
+            <a:pPr algn="ctr"/>
+            <a:endParaRPr lang="en-US"/>
+          </a:p>
+        </p:txBody>
+      </p:sp>
+      <p:sp>
+        <p:nvSpPr>
+          <p:cNvPr id="2" name="Title 1">
+            <a:extLst>
+              <a:ext uri="{FF2B5EF4-FFF2-40B4-BE49-F238E27FC236}">
+                <a16:creationId xmlns:a16="http://schemas.microsoft.com/office/drawing/2014/main" id="{1A8A7562-911D-4CDA-A772-FAE96EF19551}"/>
+              </a:ext>
+            </a:extLst>
+          </p:cNvPr>
+          <p:cNvSpPr>
+            <a:spLocks noGrp="1"/>
+          </p:cNvSpPr>
+          <p:nvPr>
+            <p:ph type="title"/>
+          </p:nvPr>
+        </p:nvSpPr>
+        <p:spPr>
+          <a:xfrm>
+            <a:off x="2365695" y="938717"/>
+            <a:ext cx="8689157" cy="3541837"/>
+          </a:xfrm>
+        </p:spPr>
+        <p:txBody>
+          <a:bodyPr vert="horz" lIns="91440" tIns="45720" rIns="91440" bIns="0" rtlCol="0" anchor="b">
+            <a:normAutofit/>
+          </a:bodyPr>
+          <a:lstStyle/>
+          <a:p>
+            <a:r>
+              <a:rPr lang="en-US" sz="6600"/>
+              <a:t>Demonstration</a:t>
+            </a:r>
+          </a:p>
+        </p:txBody>
+      </p:sp>
+      <p:cxnSp>
+        <p:nvCxnSpPr>
+          <p:cNvPr id="17" name="Straight Connector 16">
+            <a:extLst>
+              <a:ext uri="{FF2B5EF4-FFF2-40B4-BE49-F238E27FC236}">
+                <a16:creationId xmlns:a16="http://schemas.microsoft.com/office/drawing/2014/main" id="{7105F2EF-F4AA-488F-8E74-484FA0078518}"/>
+              </a:ext>
+              <a:ext uri="{C183D7F6-B498-43B3-948B-1728B52AA6E4}">
+                <adec:decorative xmlns:adec="http://schemas.microsoft.com/office/drawing/2017/decorative" val="1"/>
+              </a:ext>
+            </a:extLst>
+          </p:cNvPr>
+          <p:cNvCxnSpPr>
+            <a:cxnSpLocks noGrp="1" noRot="1" noChangeAspect="1" noMove="1" noResize="1" noEditPoints="1" noAdjustHandles="1" noChangeArrowheads="1" noChangeShapeType="1"/>
+          </p:cNvCxnSpPr>
+          <p:nvPr>
+            <p:extLst>
+              <p:ext uri="{386F3935-93C4-4BCD-93E2-E3B085C9AB24}">
+                <p16:designElem xmlns:p16="http://schemas.microsoft.com/office/powerpoint/2015/main" val="1"/>
+              </p:ext>
+            </p:extLst>
+          </p:nvPr>
+        </p:nvCxnSpPr>
+        <p:spPr>
+          <a:xfrm>
+            <a:off x="1776728" y="4735528"/>
+            <a:ext cx="8643010" cy="0"/>
+          </a:xfrm>
+          <a:prstGeom prst="line">
+            <a:avLst/>
+          </a:prstGeom>
+          <a:ln w="31750"/>
+        </p:spPr>
+        <p:style>
+          <a:lnRef idx="3">
+            <a:schemeClr val="accent1"/>
+          </a:lnRef>
+          <a:fillRef idx="0">
+            <a:schemeClr val="accent1"/>
+          </a:fillRef>
+          <a:effectRef idx="2">
+            <a:schemeClr val="accent1"/>
+          </a:effectRef>
+          <a:fontRef idx="minor">
+            <a:schemeClr val="tx1"/>
+          </a:fontRef>
+        </p:style>
+      </p:cxnSp>
+    </p:spTree>
+    <p:extLst>
+      <p:ext uri="{BB962C8B-B14F-4D97-AF65-F5344CB8AC3E}">
+        <p14:creationId xmlns:p14="http://schemas.microsoft.com/office/powerpoint/2010/main" val="1339924830"/>
+      </p:ext>
+    </p:extLst>
+  </p:cSld>
+  <p:clrMapOvr>
+    <a:overrideClrMapping bg1="dk1" tx1="lt1" bg2="dk2" tx2="lt2" accent1="accent1" accent2="accent2" accent3="accent3" accent4="accent4" accent5="accent5" accent6="accent6" hlink="hlink" folHlink="folHlink"/>
   </p:clrMapOvr>
 </p:sld>
 </file>

--- a/Reports/SENG3011 D3.pptx
+++ b/Reports/SENG3011 D3.pptx
@@ -108,6 +108,11 @@
       </a:defRPr>
     </a:lvl9pPr>
   </p:defaultTextStyle>
+  <p:extLst>
+    <p:ext uri="{EFAFB233-063F-42B5-8137-9DF3F51BA10A}">
+      <p15:sldGuideLst xmlns:p15="http://schemas.microsoft.com/office/powerpoint/2012/main"/>
+    </p:ext>
+  </p:extLst>
 </p:presentation>
 </file>
 
@@ -250,7 +255,7 @@
           <a:p>
             <a:fld id="{72345051-2045-45DA-935E-2E3CA1A69ADC}" type="datetimeFigureOut">
               <a:rPr lang="en-US" smtClean="0"/>
-              <a:t>4/6/2021</a:t>
+              <a:t>4/7/2021</a:t>
             </a:fld>
             <a:endParaRPr lang="en-US" dirty="0"/>
           </a:p>
@@ -461,7 +466,7 @@
           <a:p>
             <a:fld id="{72345051-2045-45DA-935E-2E3CA1A69ADC}" type="datetimeFigureOut">
               <a:rPr lang="en-US" smtClean="0"/>
-              <a:t>4/6/2021</a:t>
+              <a:t>4/7/2021</a:t>
             </a:fld>
             <a:endParaRPr lang="en-US"/>
           </a:p>
@@ -676,7 +681,7 @@
           <a:p>
             <a:fld id="{72345051-2045-45DA-935E-2E3CA1A69ADC}" type="datetimeFigureOut">
               <a:rPr lang="en-US" smtClean="0"/>
-              <a:t>4/6/2021</a:t>
+              <a:t>4/7/2021</a:t>
             </a:fld>
             <a:endParaRPr lang="en-US"/>
           </a:p>
@@ -877,7 +882,7 @@
           <a:p>
             <a:fld id="{72345051-2045-45DA-935E-2E3CA1A69ADC}" type="datetimeFigureOut">
               <a:rPr lang="en-US" smtClean="0"/>
-              <a:t>4/6/2021</a:t>
+              <a:t>4/7/2021</a:t>
             </a:fld>
             <a:endParaRPr lang="en-US"/>
           </a:p>
@@ -1156,7 +1161,7 @@
           <a:p>
             <a:fld id="{72345051-2045-45DA-935E-2E3CA1A69ADC}" type="datetimeFigureOut">
               <a:rPr lang="en-US" smtClean="0"/>
-              <a:t>4/6/2021</a:t>
+              <a:t>4/7/2021</a:t>
             </a:fld>
             <a:endParaRPr lang="en-US"/>
           </a:p>
@@ -1424,7 +1429,7 @@
           <a:p>
             <a:fld id="{72345051-2045-45DA-935E-2E3CA1A69ADC}" type="datetimeFigureOut">
               <a:rPr lang="en-US" smtClean="0"/>
-              <a:t>4/6/2021</a:t>
+              <a:t>4/7/2021</a:t>
             </a:fld>
             <a:endParaRPr lang="en-US"/>
           </a:p>
@@ -1840,7 +1845,7 @@
           <a:p>
             <a:fld id="{72345051-2045-45DA-935E-2E3CA1A69ADC}" type="datetimeFigureOut">
               <a:rPr lang="en-US" smtClean="0"/>
-              <a:t>4/6/2021</a:t>
+              <a:t>4/7/2021</a:t>
             </a:fld>
             <a:endParaRPr lang="en-US"/>
           </a:p>
@@ -1989,7 +1994,7 @@
           <a:p>
             <a:fld id="{72345051-2045-45DA-935E-2E3CA1A69ADC}" type="datetimeFigureOut">
               <a:rPr lang="en-US" smtClean="0"/>
-              <a:t>4/6/2021</a:t>
+              <a:t>4/7/2021</a:t>
             </a:fld>
             <a:endParaRPr lang="en-US"/>
           </a:p>
@@ -2115,7 +2120,7 @@
           <a:p>
             <a:fld id="{72345051-2045-45DA-935E-2E3CA1A69ADC}" type="datetimeFigureOut">
               <a:rPr lang="en-US" smtClean="0"/>
-              <a:t>4/6/2021</a:t>
+              <a:t>4/7/2021</a:t>
             </a:fld>
             <a:endParaRPr lang="en-US"/>
           </a:p>
@@ -2366,7 +2371,7 @@
           <a:p>
             <a:fld id="{72345051-2045-45DA-935E-2E3CA1A69ADC}" type="datetimeFigureOut">
               <a:rPr lang="en-US" smtClean="0"/>
-              <a:t>4/6/2021</a:t>
+              <a:t>4/7/2021</a:t>
             </a:fld>
             <a:endParaRPr lang="en-US"/>
           </a:p>
@@ -2811,7 +2816,7 @@
           <a:p>
             <a:fld id="{72345051-2045-45DA-935E-2E3CA1A69ADC}" type="datetimeFigureOut">
               <a:rPr lang="en-US" smtClean="0"/>
-              <a:t>4/6/2021</a:t>
+              <a:t>4/7/2021</a:t>
             </a:fld>
             <a:endParaRPr lang="en-US"/>
           </a:p>
@@ -3138,7 +3143,7 @@
           <a:p>
             <a:fld id="{72345051-2045-45DA-935E-2E3CA1A69ADC}" type="datetimeFigureOut">
               <a:rPr lang="en-US" smtClean="0"/>
-              <a:t>4/6/2021</a:t>
+              <a:t>4/7/2021</a:t>
             </a:fld>
             <a:endParaRPr lang="en-US" dirty="0"/>
           </a:p>
@@ -4536,10 +4541,10 @@
       </p:grpSpPr>
       <p:sp useBgFill="1">
         <p:nvSpPr>
-          <p:cNvPr id="10" name="Rectangle 9">
+          <p:cNvPr id="52" name="Rectangle 51">
             <a:extLst>
               <a:ext uri="{FF2B5EF4-FFF2-40B4-BE49-F238E27FC236}">
-                <a16:creationId xmlns:a16="http://schemas.microsoft.com/office/drawing/2014/main" id="{5BB14454-D00C-4958-BB39-F5F9F3ACD499}"/>
+                <a16:creationId xmlns:a16="http://schemas.microsoft.com/office/drawing/2014/main" id="{45C76AC0-BB6B-419E-A327-AFA29750080A}"/>
               </a:ext>
               <a:ext uri="{C183D7F6-B498-43B3-948B-1728B52AA6E4}">
                 <adec:decorative xmlns:adec="http://schemas.microsoft.com/office/drawing/2017/decorative" val="1"/>
@@ -4596,10 +4601,10 @@
       </p:sp>
       <p:cxnSp>
         <p:nvCxnSpPr>
-          <p:cNvPr id="12" name="Straight Connector 11">
+          <p:cNvPr id="54" name="Straight Connector 53">
             <a:extLst>
               <a:ext uri="{FF2B5EF4-FFF2-40B4-BE49-F238E27FC236}">
-                <a16:creationId xmlns:a16="http://schemas.microsoft.com/office/drawing/2014/main" id="{28A657A7-C4E5-425B-98FA-BB817FF7BFB0}"/>
+                <a16:creationId xmlns:a16="http://schemas.microsoft.com/office/drawing/2014/main" id="{B3E0B6A3-E197-43D6-82D5-7455DAB1A746}"/>
               </a:ext>
               <a:ext uri="{C183D7F6-B498-43B3-948B-1728B52AA6E4}">
                 <adec:decorative xmlns:adec="http://schemas.microsoft.com/office/drawing/2017/decorative" val="1"/>
@@ -4619,8 +4624,8 @@
         </p:nvCxnSpPr>
         <p:spPr>
           <a:xfrm>
-            <a:off x="7218029" y="1847088"/>
-            <a:ext cx="3520368" cy="0"/>
+            <a:off x="6579647" y="1847088"/>
+            <a:ext cx="4158750" cy="0"/>
           </a:xfrm>
           <a:prstGeom prst="line">
             <a:avLst/>
@@ -4660,8 +4665,8 @@
         </p:nvSpPr>
         <p:spPr>
           <a:xfrm>
-            <a:off x="7218030" y="804520"/>
-            <a:ext cx="3520367" cy="1049235"/>
+            <a:off x="6579648" y="804520"/>
+            <a:ext cx="4158749" cy="1049235"/>
           </a:xfrm>
         </p:spPr>
         <p:txBody>
@@ -4680,10 +4685,10 @@
       </p:sp>
       <p:sp>
         <p:nvSpPr>
-          <p:cNvPr id="14" name="Rectangle 13">
+          <p:cNvPr id="56" name="Rectangle 55">
             <a:extLst>
               <a:ext uri="{FF2B5EF4-FFF2-40B4-BE49-F238E27FC236}">
-                <a16:creationId xmlns:a16="http://schemas.microsoft.com/office/drawing/2014/main" id="{A1084370-0E70-4003-9787-3490FCC20E13}"/>
+                <a16:creationId xmlns:a16="http://schemas.microsoft.com/office/drawing/2014/main" id="{8B0E4246-09B8-46D7-A0D2-4D264863AD39}"/>
               </a:ext>
               <a:ext uri="{C183D7F6-B498-43B3-948B-1728B52AA6E4}">
                 <adec:decorative xmlns:adec="http://schemas.microsoft.com/office/drawing/2017/decorative" val="1"/>
@@ -4752,209 +4757,12 @@
           </a:p>
         </p:txBody>
       </p:sp>
-      <p:grpSp>
-        <p:nvGrpSpPr>
-          <p:cNvPr id="16" name="Group 15">
+      <p:pic>
+        <p:nvPicPr>
+          <p:cNvPr id="4" name="Picture 3">
             <a:extLst>
               <a:ext uri="{FF2B5EF4-FFF2-40B4-BE49-F238E27FC236}">
-                <a16:creationId xmlns:a16="http://schemas.microsoft.com/office/drawing/2014/main" id="{2B7C66D2-22E8-4E8F-829B-050BFA7C86C5}"/>
-              </a:ext>
-              <a:ext uri="{C183D7F6-B498-43B3-948B-1728B52AA6E4}">
-                <adec:decorative xmlns:adec="http://schemas.microsoft.com/office/drawing/2017/decorative" val="1"/>
-              </a:ext>
-            </a:extLst>
-          </p:cNvPr>
-          <p:cNvGrpSpPr>
-            <a:grpSpLocks noGrp="1" noUngrp="1" noRot="1" noChangeAspect="1" noMove="1" noResize="1"/>
-          </p:cNvGrpSpPr>
-          <p:nvPr>
-            <p:extLst>
-              <p:ext uri="{386F3935-93C4-4BCD-93E2-E3B085C9AB24}">
-                <p16:designElem xmlns:p16="http://schemas.microsoft.com/office/powerpoint/2015/main" val="1"/>
-              </p:ext>
-            </p:extLst>
-          </p:nvPr>
-        </p:nvGrpSpPr>
-        <p:grpSpPr>
-          <a:xfrm>
-            <a:off x="632237" y="482171"/>
-            <a:ext cx="6104331" cy="5149101"/>
-            <a:chOff x="7463259" y="583365"/>
-            <a:chExt cx="6104330" cy="5181928"/>
-          </a:xfrm>
-        </p:grpSpPr>
-        <p:sp>
-          <p:nvSpPr>
-            <p:cNvPr id="17" name="Rectangle 16">
-              <a:extLst>
-                <a:ext uri="{FF2B5EF4-FFF2-40B4-BE49-F238E27FC236}">
-                  <a16:creationId xmlns:a16="http://schemas.microsoft.com/office/drawing/2014/main" id="{F0B78D6F-1F61-4DBB-8F5A-934BB850DD1F}"/>
-                </a:ext>
-                <a:ext uri="{C183D7F6-B498-43B3-948B-1728B52AA6E4}">
-                  <adec:decorative xmlns:adec="http://schemas.microsoft.com/office/drawing/2017/decorative" val="1"/>
-                </a:ext>
-              </a:extLst>
-            </p:cNvPr>
-            <p:cNvSpPr/>
-            <p:nvPr>
-              <p:extLst>
-                <p:ext uri="{386F3935-93C4-4BCD-93E2-E3B085C9AB24}">
-                  <p16:designElem xmlns:p16="http://schemas.microsoft.com/office/powerpoint/2015/main" val="1"/>
-                </p:ext>
-              </p:extLst>
-            </p:nvPr>
-          </p:nvSpPr>
-          <p:spPr>
-            <a:xfrm>
-              <a:off x="7463259" y="583365"/>
-              <a:ext cx="6104330" cy="5181928"/>
-            </a:xfrm>
-            <a:prstGeom prst="rect">
-              <a:avLst/>
-            </a:prstGeom>
-            <a:gradFill>
-              <a:gsLst>
-                <a:gs pos="0">
-                  <a:srgbClr val="000001"/>
-                </a:gs>
-                <a:gs pos="100000">
-                  <a:srgbClr val="191919"/>
-                </a:gs>
-              </a:gsLst>
-            </a:gradFill>
-            <a:ln w="76200" cmpd="sng">
-              <a:noFill/>
-              <a:miter lim="800000"/>
-            </a:ln>
-            <a:effectLst>
-              <a:outerShdw blurRad="127000" dist="228600" dir="4740000" sx="98000" sy="98000" algn="tl" rotWithShape="0">
-                <a:srgbClr val="000000">
-                  <a:alpha val="34000"/>
-                </a:srgbClr>
-              </a:outerShdw>
-            </a:effectLst>
-            <a:scene3d>
-              <a:camera prst="orthographicFront"/>
-              <a:lightRig rig="threePt" dir="t"/>
-            </a:scene3d>
-            <a:sp3d>
-              <a:bevelT w="152400" h="50800" prst="softRound"/>
-            </a:sp3d>
-          </p:spPr>
-          <p:style>
-            <a:lnRef idx="1">
-              <a:schemeClr val="accent1"/>
-            </a:lnRef>
-            <a:fillRef idx="3">
-              <a:schemeClr val="accent1"/>
-            </a:fillRef>
-            <a:effectRef idx="2">
-              <a:schemeClr val="accent1"/>
-            </a:effectRef>
-            <a:fontRef idx="minor">
-              <a:schemeClr val="lt1"/>
-            </a:fontRef>
-          </p:style>
-          <p:txBody>
-            <a:bodyPr rtlCol="0" anchor="ctr"/>
-            <a:lstStyle/>
-            <a:p>
-              <a:pPr algn="ctr"/>
-              <a:endParaRPr lang="en-US"/>
-            </a:p>
-          </p:txBody>
-        </p:sp>
-        <p:sp>
-          <p:nvSpPr>
-            <p:cNvPr id="45" name="Rectangle 17">
-              <a:extLst>
-                <a:ext uri="{FF2B5EF4-FFF2-40B4-BE49-F238E27FC236}">
-                  <a16:creationId xmlns:a16="http://schemas.microsoft.com/office/drawing/2014/main" id="{23EA261D-1F8C-4BE5-8586-3C1CC5CE80FE}"/>
-                </a:ext>
-                <a:ext uri="{C183D7F6-B498-43B3-948B-1728B52AA6E4}">
-                  <adec:decorative xmlns:adec="http://schemas.microsoft.com/office/drawing/2017/decorative" val="1"/>
-                </a:ext>
-              </a:extLst>
-            </p:cNvPr>
-            <p:cNvSpPr/>
-            <p:nvPr>
-              <p:extLst>
-                <p:ext uri="{386F3935-93C4-4BCD-93E2-E3B085C9AB24}">
-                  <p16:designElem xmlns:p16="http://schemas.microsoft.com/office/powerpoint/2015/main" val="1"/>
-                </p:ext>
-              </p:extLst>
-            </p:nvPr>
-          </p:nvSpPr>
-          <p:spPr>
-            <a:xfrm>
-              <a:off x="7776318" y="915807"/>
-              <a:ext cx="5471354" cy="4494927"/>
-            </a:xfrm>
-            <a:prstGeom prst="rect">
-              <a:avLst/>
-            </a:prstGeom>
-            <a:gradFill>
-              <a:gsLst>
-                <a:gs pos="0">
-                  <a:srgbClr val="DADADA"/>
-                </a:gs>
-                <a:gs pos="100000">
-                  <a:srgbClr val="FFFFFE"/>
-                </a:gs>
-              </a:gsLst>
-              <a:lin ang="16200000" scaled="0"/>
-            </a:gradFill>
-            <a:ln w="50800" cmpd="sng">
-              <a:solidFill>
-                <a:srgbClr val="191919"/>
-              </a:solidFill>
-              <a:miter lim="800000"/>
-            </a:ln>
-            <a:effectLst>
-              <a:innerShdw blurRad="63500" dist="88900" dir="14100000">
-                <a:srgbClr val="000000">
-                  <a:alpha val="30000"/>
-                </a:srgbClr>
-              </a:innerShdw>
-            </a:effectLst>
-            <a:scene3d>
-              <a:camera prst="orthographicFront"/>
-              <a:lightRig rig="threePt" dir="t"/>
-            </a:scene3d>
-            <a:sp3d>
-              <a:bevelT prst="relaxedInset"/>
-            </a:sp3d>
-          </p:spPr>
-          <p:style>
-            <a:lnRef idx="1">
-              <a:schemeClr val="accent1"/>
-            </a:lnRef>
-            <a:fillRef idx="3">
-              <a:schemeClr val="accent1"/>
-            </a:fillRef>
-            <a:effectRef idx="2">
-              <a:schemeClr val="accent1"/>
-            </a:effectRef>
-            <a:fontRef idx="minor">
-              <a:schemeClr val="lt1"/>
-            </a:fontRef>
-          </p:style>
-          <p:txBody>
-            <a:bodyPr rtlCol="0" anchor="ctr"/>
-            <a:lstStyle/>
-            <a:p>
-              <a:pPr algn="ctr"/>
-              <a:endParaRPr lang="en-US"/>
-            </a:p>
-          </p:txBody>
-        </p:sp>
-      </p:grpSp>
-      <p:pic>
-        <p:nvPicPr>
-          <p:cNvPr id="5" name="Picture 4">
-            <a:extLst>
-              <a:ext uri="{FF2B5EF4-FFF2-40B4-BE49-F238E27FC236}">
-                <a16:creationId xmlns:a16="http://schemas.microsoft.com/office/drawing/2014/main" id="{72E37CD3-8601-461E-9F2D-2757B4B66248}"/>
+                <a16:creationId xmlns:a16="http://schemas.microsoft.com/office/drawing/2014/main" id="{5A01B76B-94CC-48FA-9A18-FCC51BC78942}"/>
               </a:ext>
             </a:extLst>
           </p:cNvPr>
@@ -4963,15 +4771,16 @@
           </p:cNvPicPr>
           <p:nvPr/>
         </p:nvPicPr>
-        <p:blipFill rotWithShape="1">
+        <p:blipFill>
           <a:blip r:embed="rId2"/>
-          <a:srcRect l="12869" r="25041"/>
-          <a:stretch/>
+          <a:stretch>
+            <a:fillRect/>
+          </a:stretch>
         </p:blipFill>
         <p:spPr>
           <a:xfrm>
-            <a:off x="1271223" y="1116345"/>
-            <a:ext cx="4825148" cy="3866172"/>
+            <a:off x="1130029" y="1610628"/>
+            <a:ext cx="4960442" cy="3050671"/>
           </a:xfrm>
           <a:prstGeom prst="rect">
             <a:avLst/>
@@ -4996,8 +4805,8 @@
         </p:nvSpPr>
         <p:spPr>
           <a:xfrm>
-            <a:off x="7218029" y="2015732"/>
-            <a:ext cx="3520368" cy="3450613"/>
+            <a:off x="6579647" y="2015732"/>
+            <a:ext cx="4158750" cy="3450613"/>
           </a:xfrm>
         </p:spPr>
         <p:txBody>
@@ -5006,16 +4815,44 @@
           </a:bodyPr>
           <a:lstStyle/>
           <a:p>
-            <a:endParaRPr lang="en-US" dirty="0"/>
+            <a:r>
+              <a:rPr lang="en-AU" dirty="0"/>
+              <a:t>We are using AWS extensively</a:t>
+            </a:r>
+          </a:p>
+          <a:p>
+            <a:r>
+              <a:rPr lang="en-AU" dirty="0"/>
+              <a:t>Python script (On one server) acts as a scraper, which populates our DynamoDB database (on AWS)</a:t>
+            </a:r>
+          </a:p>
+          <a:p>
+            <a:r>
+              <a:rPr lang="en-AU" dirty="0"/>
+              <a:t>Lambda node running to serve as our backend</a:t>
+            </a:r>
+          </a:p>
+          <a:p>
+            <a:r>
+              <a:rPr lang="en-AU" dirty="0" err="1"/>
+              <a:t>GraphQL</a:t>
+            </a:r>
+            <a:r>
+              <a:rPr lang="en-AU" dirty="0"/>
+              <a:t> receives data from backend</a:t>
+            </a:r>
+          </a:p>
+          <a:p>
+            <a:endParaRPr lang="en-AU" dirty="0"/>
           </a:p>
         </p:txBody>
       </p:sp>
       <p:pic>
         <p:nvPicPr>
-          <p:cNvPr id="47" name="Picture 19">
+          <p:cNvPr id="58" name="Picture 57">
             <a:extLst>
               <a:ext uri="{FF2B5EF4-FFF2-40B4-BE49-F238E27FC236}">
-                <a16:creationId xmlns:a16="http://schemas.microsoft.com/office/drawing/2014/main" id="{3635D2BC-4EDA-4A3E-83BF-035608099BD5}"/>
+                <a16:creationId xmlns:a16="http://schemas.microsoft.com/office/drawing/2014/main" id="{F50C8D8D-B32F-4194-8321-164EC442750E}"/>
               </a:ext>
               <a:ext uri="{C183D7F6-B498-43B3-948B-1728B52AA6E4}">
                 <adec:decorative xmlns:adec="http://schemas.microsoft.com/office/drawing/2017/decorative" val="1"/>
@@ -5056,10 +4893,10 @@
       </p:pic>
       <p:cxnSp>
         <p:nvCxnSpPr>
-          <p:cNvPr id="22" name="Straight Connector 21">
+          <p:cNvPr id="60" name="Straight Connector 59">
             <a:extLst>
               <a:ext uri="{FF2B5EF4-FFF2-40B4-BE49-F238E27FC236}">
-                <a16:creationId xmlns:a16="http://schemas.microsoft.com/office/drawing/2014/main" id="{A3C86EB9-7FA9-42F7-B348-A7FD17436A94}"/>
+                <a16:creationId xmlns:a16="http://schemas.microsoft.com/office/drawing/2014/main" id="{5BD24D8B-8573-4260-B700-E860AD6D2A8E}"/>
               </a:ext>
               <a:ext uri="{C183D7F6-B498-43B3-948B-1728B52AA6E4}">
                 <adec:decorative xmlns:adec="http://schemas.microsoft.com/office/drawing/2017/decorative" val="1"/>
